--- a/Design/class diagram - Android.pptx
+++ b/Design/class diagram - Android.pptx
@@ -309,7 +309,7 @@
           <a:p>
             <a:fld id="{0F2BA88B-9809-A147-9A6F-1B934C008B56}" type="datetimeFigureOut">
               <a:rPr lang="en-US" smtClean="0"/>
-              <a:t>5/24/14 </a:t>
+              <a:t>10/7/14 </a:t>
             </a:fld>
             <a:endParaRPr lang="en-US"/>
           </a:p>
@@ -479,7 +479,7 @@
           <a:p>
             <a:fld id="{0F2BA88B-9809-A147-9A6F-1B934C008B56}" type="datetimeFigureOut">
               <a:rPr lang="en-US" smtClean="0"/>
-              <a:t>5/24/14 </a:t>
+              <a:t>10/7/14 </a:t>
             </a:fld>
             <a:endParaRPr lang="en-US"/>
           </a:p>
@@ -659,7 +659,7 @@
           <a:p>
             <a:fld id="{0F2BA88B-9809-A147-9A6F-1B934C008B56}" type="datetimeFigureOut">
               <a:rPr lang="en-US" smtClean="0"/>
-              <a:t>5/24/14 </a:t>
+              <a:t>10/7/14 </a:t>
             </a:fld>
             <a:endParaRPr lang="en-US"/>
           </a:p>
@@ -829,7 +829,7 @@
           <a:p>
             <a:fld id="{0F2BA88B-9809-A147-9A6F-1B934C008B56}" type="datetimeFigureOut">
               <a:rPr lang="en-US" smtClean="0"/>
-              <a:t>5/24/14 </a:t>
+              <a:t>10/7/14 </a:t>
             </a:fld>
             <a:endParaRPr lang="en-US"/>
           </a:p>
@@ -1075,7 +1075,7 @@
           <a:p>
             <a:fld id="{0F2BA88B-9809-A147-9A6F-1B934C008B56}" type="datetimeFigureOut">
               <a:rPr lang="en-US" smtClean="0"/>
-              <a:t>5/24/14 </a:t>
+              <a:t>10/7/14 </a:t>
             </a:fld>
             <a:endParaRPr lang="en-US"/>
           </a:p>
@@ -1363,7 +1363,7 @@
           <a:p>
             <a:fld id="{0F2BA88B-9809-A147-9A6F-1B934C008B56}" type="datetimeFigureOut">
               <a:rPr lang="en-US" smtClean="0"/>
-              <a:t>5/24/14 </a:t>
+              <a:t>10/7/14 </a:t>
             </a:fld>
             <a:endParaRPr lang="en-US"/>
           </a:p>
@@ -1785,7 +1785,7 @@
           <a:p>
             <a:fld id="{0F2BA88B-9809-A147-9A6F-1B934C008B56}" type="datetimeFigureOut">
               <a:rPr lang="en-US" smtClean="0"/>
-              <a:t>5/24/14 </a:t>
+              <a:t>10/7/14 </a:t>
             </a:fld>
             <a:endParaRPr lang="en-US"/>
           </a:p>
@@ -1903,7 +1903,7 @@
           <a:p>
             <a:fld id="{0F2BA88B-9809-A147-9A6F-1B934C008B56}" type="datetimeFigureOut">
               <a:rPr lang="en-US" smtClean="0"/>
-              <a:t>5/24/14 </a:t>
+              <a:t>10/7/14 </a:t>
             </a:fld>
             <a:endParaRPr lang="en-US"/>
           </a:p>
@@ -1998,7 +1998,7 @@
           <a:p>
             <a:fld id="{0F2BA88B-9809-A147-9A6F-1B934C008B56}" type="datetimeFigureOut">
               <a:rPr lang="en-US" smtClean="0"/>
-              <a:t>5/24/14 </a:t>
+              <a:t>10/7/14 </a:t>
             </a:fld>
             <a:endParaRPr lang="en-US"/>
           </a:p>
@@ -2275,7 +2275,7 @@
           <a:p>
             <a:fld id="{0F2BA88B-9809-A147-9A6F-1B934C008B56}" type="datetimeFigureOut">
               <a:rPr lang="en-US" smtClean="0"/>
-              <a:t>5/24/14 </a:t>
+              <a:t>10/7/14 </a:t>
             </a:fld>
             <a:endParaRPr lang="en-US"/>
           </a:p>
@@ -2528,7 +2528,7 @@
           <a:p>
             <a:fld id="{0F2BA88B-9809-A147-9A6F-1B934C008B56}" type="datetimeFigureOut">
               <a:rPr lang="en-US" smtClean="0"/>
-              <a:t>5/24/14 </a:t>
+              <a:t>10/7/14 </a:t>
             </a:fld>
             <a:endParaRPr lang="en-US"/>
           </a:p>
@@ -2741,7 +2741,7 @@
           <a:p>
             <a:fld id="{0F2BA88B-9809-A147-9A6F-1B934C008B56}" type="datetimeFigureOut">
               <a:rPr lang="en-US" smtClean="0"/>
-              <a:t>5/24/14 </a:t>
+              <a:t>10/7/14 </a:t>
             </a:fld>
             <a:endParaRPr lang="en-US"/>
           </a:p>
@@ -3933,7 +3933,7 @@
         </p:nvSpPr>
         <p:spPr>
           <a:xfrm>
-            <a:off x="1784722" y="4791356"/>
+            <a:off x="1784722" y="5172356"/>
             <a:ext cx="1684833" cy="403350"/>
           </a:xfrm>
           <a:prstGeom prst="rect">
@@ -3992,7 +3992,7 @@
         </p:nvSpPr>
         <p:spPr>
           <a:xfrm>
-            <a:off x="2228379" y="2878006"/>
+            <a:off x="2228379" y="2751006"/>
             <a:ext cx="1282114" cy="410668"/>
           </a:xfrm>
           <a:prstGeom prst="rect">
@@ -4051,7 +4051,7 @@
         </p:nvSpPr>
         <p:spPr>
           <a:xfrm>
-            <a:off x="1784723" y="3525238"/>
+            <a:off x="1784723" y="3350613"/>
             <a:ext cx="1684832" cy="403350"/>
           </a:xfrm>
           <a:prstGeom prst="rect">
@@ -4110,7 +4110,7 @@
         </p:nvSpPr>
         <p:spPr>
           <a:xfrm>
-            <a:off x="1784722" y="4163335"/>
+            <a:off x="1784722" y="4544335"/>
             <a:ext cx="1684833" cy="403350"/>
           </a:xfrm>
           <a:prstGeom prst="rect">
@@ -4287,7 +4287,7 @@
         </p:nvSpPr>
         <p:spPr>
           <a:xfrm>
-            <a:off x="2286081" y="5947990"/>
+            <a:off x="2286081" y="6281365"/>
             <a:ext cx="1200391" cy="424878"/>
           </a:xfrm>
           <a:prstGeom prst="rect">
@@ -4876,9 +4876,9 @@
           <p:nvPr/>
         </p:nvCxnSpPr>
         <p:spPr>
-          <a:xfrm>
-            <a:off x="3976398" y="453363"/>
-            <a:ext cx="0" cy="4539668"/>
+          <a:xfrm flipH="1">
+            <a:off x="3976397" y="453363"/>
+            <a:ext cx="1" cy="4920668"/>
           </a:xfrm>
           <a:prstGeom prst="line">
             <a:avLst/>
@@ -5027,7 +5027,7 @@
         </p:nvCxnSpPr>
         <p:spPr>
           <a:xfrm>
-            <a:off x="3510493" y="3083340"/>
+            <a:off x="3510493" y="2956340"/>
             <a:ext cx="465905" cy="0"/>
           </a:xfrm>
           <a:prstGeom prst="line">
@@ -5065,7 +5065,7 @@
         </p:nvCxnSpPr>
         <p:spPr>
           <a:xfrm>
-            <a:off x="3469555" y="3726913"/>
+            <a:off x="3469555" y="3552288"/>
             <a:ext cx="506843" cy="0"/>
           </a:xfrm>
           <a:prstGeom prst="line">
@@ -5103,7 +5103,7 @@
         </p:nvCxnSpPr>
         <p:spPr>
           <a:xfrm>
-            <a:off x="3469555" y="4365010"/>
+            <a:off x="3469555" y="4746010"/>
             <a:ext cx="506843" cy="0"/>
           </a:xfrm>
           <a:prstGeom prst="line">
@@ -5141,7 +5141,7 @@
         </p:nvCxnSpPr>
         <p:spPr>
           <a:xfrm>
-            <a:off x="3469555" y="4993031"/>
+            <a:off x="3469555" y="5374031"/>
             <a:ext cx="506843" cy="0"/>
           </a:xfrm>
           <a:prstGeom prst="line">
@@ -5236,7 +5236,7 @@
         </p:nvSpPr>
         <p:spPr>
           <a:xfrm>
-            <a:off x="203465" y="4163335"/>
+            <a:off x="203465" y="4544335"/>
             <a:ext cx="1258884" cy="403350"/>
           </a:xfrm>
           <a:prstGeom prst="rect">
@@ -5531,7 +5531,7 @@
         </p:nvSpPr>
         <p:spPr>
           <a:xfrm>
-            <a:off x="203465" y="4772795"/>
+            <a:off x="203465" y="5153795"/>
             <a:ext cx="1258884" cy="437873"/>
           </a:xfrm>
           <a:prstGeom prst="rect">
@@ -5590,7 +5590,7 @@
         </p:nvSpPr>
         <p:spPr>
           <a:xfrm>
-            <a:off x="203465" y="3513980"/>
+            <a:off x="203465" y="3339355"/>
             <a:ext cx="1258884" cy="437873"/>
           </a:xfrm>
           <a:prstGeom prst="rect">
@@ -6044,7 +6044,7 @@
         </p:nvCxnSpPr>
         <p:spPr>
           <a:xfrm flipV="1">
-            <a:off x="1462349" y="3726913"/>
+            <a:off x="1462349" y="3552288"/>
             <a:ext cx="322374" cy="6004"/>
           </a:xfrm>
           <a:prstGeom prst="line">
@@ -6083,7 +6083,7 @@
         </p:nvCxnSpPr>
         <p:spPr>
           <a:xfrm>
-            <a:off x="1462349" y="4365010"/>
+            <a:off x="1462349" y="4746010"/>
             <a:ext cx="322373" cy="0"/>
           </a:xfrm>
           <a:prstGeom prst="line">
@@ -6122,7 +6122,7 @@
         </p:nvCxnSpPr>
         <p:spPr>
           <a:xfrm>
-            <a:off x="1462349" y="4991732"/>
+            <a:off x="1462349" y="5372732"/>
             <a:ext cx="322373" cy="1299"/>
           </a:xfrm>
           <a:prstGeom prst="line">
@@ -6431,7 +6431,7 @@
         </p:nvSpPr>
         <p:spPr>
           <a:xfrm>
-            <a:off x="1784722" y="5391458"/>
+            <a:off x="1784722" y="5740708"/>
             <a:ext cx="1684833" cy="403350"/>
           </a:xfrm>
           <a:prstGeom prst="rect">
@@ -7567,7 +7567,7 @@
         </p:nvSpPr>
         <p:spPr>
           <a:xfrm>
-            <a:off x="1583364" y="3630250"/>
+            <a:off x="1583364" y="3455625"/>
             <a:ext cx="201359" cy="205334"/>
           </a:xfrm>
           <a:prstGeom prst="ellipse">
@@ -7617,7 +7617,7 @@
         </p:nvCxnSpPr>
         <p:spPr>
           <a:xfrm flipV="1">
-            <a:off x="1684044" y="3630250"/>
+            <a:off x="1684044" y="3455625"/>
             <a:ext cx="0" cy="205334"/>
           </a:xfrm>
           <a:prstGeom prst="line">
@@ -7656,7 +7656,7 @@
         </p:nvCxnSpPr>
         <p:spPr>
           <a:xfrm>
-            <a:off x="1583364" y="3732917"/>
+            <a:off x="1583364" y="3558292"/>
             <a:ext cx="201359" cy="0"/>
           </a:xfrm>
           <a:prstGeom prst="line">
@@ -7692,7 +7692,7 @@
         </p:nvSpPr>
         <p:spPr>
           <a:xfrm>
-            <a:off x="1583364" y="4262343"/>
+            <a:off x="1583364" y="4643343"/>
             <a:ext cx="201359" cy="205334"/>
           </a:xfrm>
           <a:prstGeom prst="ellipse">
@@ -7742,7 +7742,7 @@
         </p:nvCxnSpPr>
         <p:spPr>
           <a:xfrm flipV="1">
-            <a:off x="1684044" y="4262343"/>
+            <a:off x="1684044" y="4643343"/>
             <a:ext cx="0" cy="205334"/>
           </a:xfrm>
           <a:prstGeom prst="line">
@@ -7781,7 +7781,7 @@
         </p:nvCxnSpPr>
         <p:spPr>
           <a:xfrm>
-            <a:off x="1583364" y="4365010"/>
+            <a:off x="1583364" y="4746010"/>
             <a:ext cx="201359" cy="0"/>
           </a:xfrm>
           <a:prstGeom prst="line">
@@ -7817,7 +7817,7 @@
         </p:nvSpPr>
         <p:spPr>
           <a:xfrm>
-            <a:off x="1586105" y="4890364"/>
+            <a:off x="1586105" y="5271364"/>
             <a:ext cx="201359" cy="205334"/>
           </a:xfrm>
           <a:prstGeom prst="ellipse">
@@ -7867,7 +7867,7 @@
         </p:nvCxnSpPr>
         <p:spPr>
           <a:xfrm flipV="1">
-            <a:off x="1686785" y="4890364"/>
+            <a:off x="1686785" y="5271364"/>
             <a:ext cx="0" cy="205334"/>
           </a:xfrm>
           <a:prstGeom prst="line">
@@ -7906,7 +7906,7 @@
         </p:nvCxnSpPr>
         <p:spPr>
           <a:xfrm>
-            <a:off x="1586105" y="4993031"/>
+            <a:off x="1586105" y="5374031"/>
             <a:ext cx="201359" cy="0"/>
           </a:xfrm>
           <a:prstGeom prst="line">
@@ -8904,6 +8904,326 @@
           </a:p>
         </p:txBody>
       </p:sp>
+      <p:sp>
+        <p:nvSpPr>
+          <p:cNvPr id="162" name="Rectangle 161"/>
+          <p:cNvSpPr/>
+          <p:nvPr/>
+        </p:nvSpPr>
+        <p:spPr>
+          <a:xfrm>
+            <a:off x="1784722" y="3954163"/>
+            <a:ext cx="1684832" cy="403350"/>
+          </a:xfrm>
+          <a:prstGeom prst="rect">
+            <a:avLst/>
+          </a:prstGeom>
+          <a:solidFill>
+            <a:schemeClr val="bg1"/>
+          </a:solidFill>
+          <a:ln>
+            <a:solidFill>
+              <a:schemeClr val="tx1"/>
+            </a:solidFill>
+          </a:ln>
+          <a:effectLst/>
+        </p:spPr>
+        <p:style>
+          <a:lnRef idx="1">
+            <a:schemeClr val="accent1"/>
+          </a:lnRef>
+          <a:fillRef idx="3">
+            <a:schemeClr val="accent1"/>
+          </a:fillRef>
+          <a:effectRef idx="2">
+            <a:schemeClr val="accent1"/>
+          </a:effectRef>
+          <a:fontRef idx="minor">
+            <a:schemeClr val="lt1"/>
+          </a:fontRef>
+        </p:style>
+        <p:txBody>
+          <a:bodyPr rtlCol="0" anchor="ctr"/>
+          <a:lstStyle/>
+          <a:p>
+            <a:pPr algn="ctr"/>
+            <a:r>
+              <a:rPr lang="en-US" sz="1200" dirty="0" err="1" smtClean="0">
+                <a:solidFill>
+                  <a:schemeClr val="tx1"/>
+                </a:solidFill>
+              </a:rPr>
+              <a:t>SendMessageActivity</a:t>
+            </a:r>
+            <a:endParaRPr lang="en-US" sz="1200" dirty="0">
+              <a:solidFill>
+                <a:schemeClr val="tx1"/>
+              </a:solidFill>
+            </a:endParaRPr>
+          </a:p>
+        </p:txBody>
+      </p:sp>
+      <p:cxnSp>
+        <p:nvCxnSpPr>
+          <p:cNvPr id="163" name="Straight Connector 162"/>
+          <p:cNvCxnSpPr>
+            <a:stCxn id="162" idx="3"/>
+          </p:cNvCxnSpPr>
+          <p:nvPr/>
+        </p:nvCxnSpPr>
+        <p:spPr>
+          <a:xfrm>
+            <a:off x="3469554" y="4155838"/>
+            <a:ext cx="506843" cy="0"/>
+          </a:xfrm>
+          <a:prstGeom prst="line">
+            <a:avLst/>
+          </a:prstGeom>
+          <a:ln>
+            <a:solidFill>
+              <a:schemeClr val="tx1"/>
+            </a:solidFill>
+          </a:ln>
+          <a:effectLst/>
+        </p:spPr>
+        <p:style>
+          <a:lnRef idx="2">
+            <a:schemeClr val="accent1"/>
+          </a:lnRef>
+          <a:fillRef idx="0">
+            <a:schemeClr val="accent1"/>
+          </a:fillRef>
+          <a:effectRef idx="1">
+            <a:schemeClr val="accent1"/>
+          </a:effectRef>
+          <a:fontRef idx="minor">
+            <a:schemeClr val="tx1"/>
+          </a:fontRef>
+        </p:style>
+      </p:cxnSp>
+      <p:sp>
+        <p:nvSpPr>
+          <p:cNvPr id="164" name="Rectangle 163"/>
+          <p:cNvSpPr/>
+          <p:nvPr/>
+        </p:nvSpPr>
+        <p:spPr>
+          <a:xfrm>
+            <a:off x="203464" y="3942905"/>
+            <a:ext cx="1258884" cy="437873"/>
+          </a:xfrm>
+          <a:prstGeom prst="rect">
+            <a:avLst/>
+          </a:prstGeom>
+          <a:solidFill>
+            <a:schemeClr val="bg1"/>
+          </a:solidFill>
+          <a:ln>
+            <a:solidFill>
+              <a:schemeClr val="tx1"/>
+            </a:solidFill>
+          </a:ln>
+          <a:effectLst/>
+        </p:spPr>
+        <p:style>
+          <a:lnRef idx="1">
+            <a:schemeClr val="accent1"/>
+          </a:lnRef>
+          <a:fillRef idx="3">
+            <a:schemeClr val="accent1"/>
+          </a:fillRef>
+          <a:effectRef idx="2">
+            <a:schemeClr val="accent1"/>
+          </a:effectRef>
+          <a:fontRef idx="minor">
+            <a:schemeClr val="lt1"/>
+          </a:fontRef>
+        </p:style>
+        <p:txBody>
+          <a:bodyPr rtlCol="0" anchor="ctr"/>
+          <a:lstStyle/>
+          <a:p>
+            <a:pPr algn="ctr"/>
+            <a:r>
+              <a:rPr lang="en-US" sz="1200" dirty="0" err="1" smtClean="0">
+                <a:solidFill>
+                  <a:schemeClr val="tx1"/>
+                </a:solidFill>
+              </a:rPr>
+              <a:t>DownloadJSON</a:t>
+            </a:r>
+            <a:endParaRPr lang="en-US" sz="1200" dirty="0">
+              <a:solidFill>
+                <a:schemeClr val="tx1"/>
+              </a:solidFill>
+            </a:endParaRPr>
+          </a:p>
+        </p:txBody>
+      </p:sp>
+      <p:cxnSp>
+        <p:nvCxnSpPr>
+          <p:cNvPr id="165" name="Straight Connector 164"/>
+          <p:cNvCxnSpPr>
+            <a:stCxn id="164" idx="3"/>
+            <a:endCxn id="162" idx="1"/>
+          </p:cNvCxnSpPr>
+          <p:nvPr/>
+        </p:nvCxnSpPr>
+        <p:spPr>
+          <a:xfrm flipV="1">
+            <a:off x="1462348" y="4155838"/>
+            <a:ext cx="322374" cy="6004"/>
+          </a:xfrm>
+          <a:prstGeom prst="line">
+            <a:avLst/>
+          </a:prstGeom>
+          <a:ln>
+            <a:solidFill>
+              <a:schemeClr val="tx1"/>
+            </a:solidFill>
+          </a:ln>
+          <a:effectLst/>
+        </p:spPr>
+        <p:style>
+          <a:lnRef idx="2">
+            <a:schemeClr val="accent1"/>
+          </a:lnRef>
+          <a:fillRef idx="0">
+            <a:schemeClr val="accent1"/>
+          </a:fillRef>
+          <a:effectRef idx="1">
+            <a:schemeClr val="accent1"/>
+          </a:effectRef>
+          <a:fontRef idx="minor">
+            <a:schemeClr val="tx1"/>
+          </a:fontRef>
+        </p:style>
+      </p:cxnSp>
+      <p:sp>
+        <p:nvSpPr>
+          <p:cNvPr id="166" name="Oval 165"/>
+          <p:cNvSpPr/>
+          <p:nvPr/>
+        </p:nvSpPr>
+        <p:spPr>
+          <a:xfrm>
+            <a:off x="1583363" y="4059175"/>
+            <a:ext cx="201359" cy="205334"/>
+          </a:xfrm>
+          <a:prstGeom prst="ellipse">
+            <a:avLst/>
+          </a:prstGeom>
+          <a:solidFill>
+            <a:schemeClr val="bg1"/>
+          </a:solidFill>
+          <a:ln>
+            <a:solidFill>
+              <a:schemeClr val="tx1"/>
+            </a:solidFill>
+          </a:ln>
+          <a:effectLst/>
+        </p:spPr>
+        <p:style>
+          <a:lnRef idx="1">
+            <a:schemeClr val="accent1"/>
+          </a:lnRef>
+          <a:fillRef idx="3">
+            <a:schemeClr val="accent1"/>
+          </a:fillRef>
+          <a:effectRef idx="2">
+            <a:schemeClr val="accent1"/>
+          </a:effectRef>
+          <a:fontRef idx="minor">
+            <a:schemeClr val="lt1"/>
+          </a:fontRef>
+        </p:style>
+        <p:txBody>
+          <a:bodyPr rtlCol="0" anchor="ctr"/>
+          <a:lstStyle/>
+          <a:p>
+            <a:pPr algn="ctr"/>
+            <a:endParaRPr lang="en-US"/>
+          </a:p>
+        </p:txBody>
+      </p:sp>
+      <p:cxnSp>
+        <p:nvCxnSpPr>
+          <p:cNvPr id="167" name="Straight Connector 166"/>
+          <p:cNvCxnSpPr>
+            <a:stCxn id="166" idx="4"/>
+            <a:endCxn id="166" idx="0"/>
+          </p:cNvCxnSpPr>
+          <p:nvPr/>
+        </p:nvCxnSpPr>
+        <p:spPr>
+          <a:xfrm flipV="1">
+            <a:off x="1684043" y="4059175"/>
+            <a:ext cx="0" cy="205334"/>
+          </a:xfrm>
+          <a:prstGeom prst="line">
+            <a:avLst/>
+          </a:prstGeom>
+          <a:ln>
+            <a:solidFill>
+              <a:schemeClr val="tx1"/>
+            </a:solidFill>
+          </a:ln>
+          <a:effectLst/>
+        </p:spPr>
+        <p:style>
+          <a:lnRef idx="2">
+            <a:schemeClr val="accent1"/>
+          </a:lnRef>
+          <a:fillRef idx="0">
+            <a:schemeClr val="accent1"/>
+          </a:fillRef>
+          <a:effectRef idx="1">
+            <a:schemeClr val="accent1"/>
+          </a:effectRef>
+          <a:fontRef idx="minor">
+            <a:schemeClr val="tx1"/>
+          </a:fontRef>
+        </p:style>
+      </p:cxnSp>
+      <p:cxnSp>
+        <p:nvCxnSpPr>
+          <p:cNvPr id="168" name="Straight Connector 167"/>
+          <p:cNvCxnSpPr>
+            <a:stCxn id="166" idx="2"/>
+            <a:endCxn id="166" idx="6"/>
+          </p:cNvCxnSpPr>
+          <p:nvPr/>
+        </p:nvCxnSpPr>
+        <p:spPr>
+          <a:xfrm>
+            <a:off x="1583363" y="4161842"/>
+            <a:ext cx="201359" cy="0"/>
+          </a:xfrm>
+          <a:prstGeom prst="line">
+            <a:avLst/>
+          </a:prstGeom>
+          <a:ln>
+            <a:solidFill>
+              <a:schemeClr val="tx1"/>
+            </a:solidFill>
+          </a:ln>
+          <a:effectLst/>
+        </p:spPr>
+        <p:style>
+          <a:lnRef idx="2">
+            <a:schemeClr val="accent1"/>
+          </a:lnRef>
+          <a:fillRef idx="0">
+            <a:schemeClr val="accent1"/>
+          </a:fillRef>
+          <a:effectRef idx="1">
+            <a:schemeClr val="accent1"/>
+          </a:effectRef>
+          <a:fontRef idx="minor">
+            <a:schemeClr val="tx1"/>
+          </a:fontRef>
+        </p:style>
+      </p:cxnSp>
     </p:spTree>
     <p:extLst>
       <p:ext uri="{BB962C8B-B14F-4D97-AF65-F5344CB8AC3E}">
